--- a/Panoptics_Martin/PanopticFCN3D_zerlegt.pptx
+++ b/Panoptics_Martin/PanopticFCN3D_zerlegt.pptx
@@ -1232,7 +1232,7 @@
           <a:p>
             <a:fld id="{841179E7-93E3-49A8-8DEF-90F8F86AB9B9}" type="datetimeFigureOut">
               <a:rPr lang="de-DE" smtClean="0"/>
-              <a:t>16.12.2024</a:t>
+              <a:t>25.12.2024</a:t>
             </a:fld>
             <a:endParaRPr lang="de-DE"/>
           </a:p>
@@ -1430,7 +1430,7 @@
           <a:p>
             <a:fld id="{841179E7-93E3-49A8-8DEF-90F8F86AB9B9}" type="datetimeFigureOut">
               <a:rPr lang="de-DE" smtClean="0"/>
-              <a:t>16.12.2024</a:t>
+              <a:t>25.12.2024</a:t>
             </a:fld>
             <a:endParaRPr lang="de-DE"/>
           </a:p>
@@ -1638,7 +1638,7 @@
           <a:p>
             <a:fld id="{841179E7-93E3-49A8-8DEF-90F8F86AB9B9}" type="datetimeFigureOut">
               <a:rPr lang="de-DE" smtClean="0"/>
-              <a:t>16.12.2024</a:t>
+              <a:t>25.12.2024</a:t>
             </a:fld>
             <a:endParaRPr lang="de-DE"/>
           </a:p>
@@ -1836,7 +1836,7 @@
           <a:p>
             <a:fld id="{841179E7-93E3-49A8-8DEF-90F8F86AB9B9}" type="datetimeFigureOut">
               <a:rPr lang="de-DE" smtClean="0"/>
-              <a:t>16.12.2024</a:t>
+              <a:t>25.12.2024</a:t>
             </a:fld>
             <a:endParaRPr lang="de-DE"/>
           </a:p>
@@ -2111,7 +2111,7 @@
           <a:p>
             <a:fld id="{841179E7-93E3-49A8-8DEF-90F8F86AB9B9}" type="datetimeFigureOut">
               <a:rPr lang="de-DE" smtClean="0"/>
-              <a:t>16.12.2024</a:t>
+              <a:t>25.12.2024</a:t>
             </a:fld>
             <a:endParaRPr lang="de-DE"/>
           </a:p>
@@ -2376,7 +2376,7 @@
           <a:p>
             <a:fld id="{841179E7-93E3-49A8-8DEF-90F8F86AB9B9}" type="datetimeFigureOut">
               <a:rPr lang="de-DE" smtClean="0"/>
-              <a:t>16.12.2024</a:t>
+              <a:t>25.12.2024</a:t>
             </a:fld>
             <a:endParaRPr lang="de-DE"/>
           </a:p>
@@ -2788,7 +2788,7 @@
           <a:p>
             <a:fld id="{841179E7-93E3-49A8-8DEF-90F8F86AB9B9}" type="datetimeFigureOut">
               <a:rPr lang="de-DE" smtClean="0"/>
-              <a:t>16.12.2024</a:t>
+              <a:t>25.12.2024</a:t>
             </a:fld>
             <a:endParaRPr lang="de-DE"/>
           </a:p>
@@ -2929,7 +2929,7 @@
           <a:p>
             <a:fld id="{841179E7-93E3-49A8-8DEF-90F8F86AB9B9}" type="datetimeFigureOut">
               <a:rPr lang="de-DE" smtClean="0"/>
-              <a:t>16.12.2024</a:t>
+              <a:t>25.12.2024</a:t>
             </a:fld>
             <a:endParaRPr lang="de-DE"/>
           </a:p>
@@ -3042,7 +3042,7 @@
           <a:p>
             <a:fld id="{841179E7-93E3-49A8-8DEF-90F8F86AB9B9}" type="datetimeFigureOut">
               <a:rPr lang="de-DE" smtClean="0"/>
-              <a:t>16.12.2024</a:t>
+              <a:t>25.12.2024</a:t>
             </a:fld>
             <a:endParaRPr lang="de-DE"/>
           </a:p>
@@ -3353,7 +3353,7 @@
           <a:p>
             <a:fld id="{841179E7-93E3-49A8-8DEF-90F8F86AB9B9}" type="datetimeFigureOut">
               <a:rPr lang="de-DE" smtClean="0"/>
-              <a:t>16.12.2024</a:t>
+              <a:t>25.12.2024</a:t>
             </a:fld>
             <a:endParaRPr lang="de-DE"/>
           </a:p>
@@ -3641,7 +3641,7 @@
           <a:p>
             <a:fld id="{841179E7-93E3-49A8-8DEF-90F8F86AB9B9}" type="datetimeFigureOut">
               <a:rPr lang="de-DE" smtClean="0"/>
-              <a:t>16.12.2024</a:t>
+              <a:t>25.12.2024</a:t>
             </a:fld>
             <a:endParaRPr lang="de-DE"/>
           </a:p>
@@ -3882,7 +3882,7 @@
           <a:p>
             <a:fld id="{841179E7-93E3-49A8-8DEF-90F8F86AB9B9}" type="datetimeFigureOut">
               <a:rPr lang="de-DE" smtClean="0"/>
-              <a:t>16.12.2024</a:t>
+              <a:t>25.12.2024</a:t>
             </a:fld>
             <a:endParaRPr lang="de-DE"/>
           </a:p>
